--- a/System Programming/Rust/Rust.pptx
+++ b/System Programming/Rust/Rust.pptx
@@ -108,6 +108,11 @@
       </a:defRPr>
     </a:lvl9pPr>
   </p:defaultTextStyle>
+  <p:extLst>
+    <p:ext uri="{EFAFB233-063F-42B5-8137-9DF3F51BA10A}">
+      <p15:sldGuideLst xmlns:p15="http://schemas.microsoft.com/office/powerpoint/2012/main"/>
+    </p:ext>
+  </p:extLst>
 </p:presentation>
 </file>
 
@@ -5828,6 +5833,42 @@
           <a:chExt cx="0" cy="0"/>
         </a:xfrm>
       </p:grpSpPr>
+      <p:pic>
+        <p:nvPicPr>
+          <p:cNvPr id="4" name="Picture 3">
+            <a:extLst>
+              <a:ext uri="{FF2B5EF4-FFF2-40B4-BE49-F238E27FC236}">
+                <a16:creationId xmlns:a16="http://schemas.microsoft.com/office/drawing/2014/main" id="{9796C7EA-8864-4057-8FA8-BF5DE402A3EC}"/>
+              </a:ext>
+            </a:extLst>
+          </p:cNvPr>
+          <p:cNvPicPr>
+            <a:picLocks noChangeAspect="1"/>
+          </p:cNvPicPr>
+          <p:nvPr/>
+        </p:nvPicPr>
+        <p:blipFill>
+          <a:blip r:embed="rId2">
+            <a:extLst>
+              <a:ext uri="{28A0092B-C50C-407E-A947-70E740481C1C}">
+                <a14:useLocalDpi xmlns:a14="http://schemas.microsoft.com/office/drawing/2010/main" val="0"/>
+              </a:ext>
+            </a:extLst>
+          </a:blip>
+          <a:stretch>
+            <a:fillRect/>
+          </a:stretch>
+        </p:blipFill>
+        <p:spPr>
+          <a:xfrm>
+            <a:off x="3511429" y="1256805"/>
+            <a:ext cx="4344390" cy="4344390"/>
+          </a:xfrm>
+          <a:prstGeom prst="rect">
+            <a:avLst/>
+          </a:prstGeom>
+        </p:spPr>
+      </p:pic>
     </p:spTree>
     <p:extLst>
       <p:ext uri="{BB962C8B-B14F-4D97-AF65-F5344CB8AC3E}">

--- a/System Programming/Rust/Rust.pptx
+++ b/System Programming/Rust/Rust.pptx
@@ -5,11 +5,10 @@
     <p:sldMasterId id="2147483690" r:id="rId1"/>
   </p:sldMasterIdLst>
   <p:sldIdLst>
-    <p:sldId id="256" r:id="rId2"/>
-    <p:sldId id="260" r:id="rId3"/>
-    <p:sldId id="257" r:id="rId4"/>
-    <p:sldId id="258" r:id="rId5"/>
-    <p:sldId id="259" r:id="rId6"/>
+    <p:sldId id="260" r:id="rId2"/>
+    <p:sldId id="257" r:id="rId3"/>
+    <p:sldId id="258" r:id="rId4"/>
+    <p:sldId id="259" r:id="rId5"/>
   </p:sldIdLst>
   <p:sldSz cx="12192000" cy="6858000"/>
   <p:notesSz cx="6858000" cy="9144000"/>
@@ -838,7 +837,7 @@
           <a:p>
             <a:fld id="{92D506C5-104A-4644-8D89-8508D6D7EF05}" type="datetimeFigureOut">
               <a:rPr lang="en-US" smtClean="0"/>
-              <a:t>11/21/2024</a:t>
+              <a:t>11/27/2024</a:t>
             </a:fld>
             <a:endParaRPr lang="en-US"/>
           </a:p>
@@ -1089,7 +1088,7 @@
           <a:p>
             <a:fld id="{92D506C5-104A-4644-8D89-8508D6D7EF05}" type="datetimeFigureOut">
               <a:rPr lang="en-US" smtClean="0"/>
-              <a:t>11/21/2024</a:t>
+              <a:t>11/27/2024</a:t>
             </a:fld>
             <a:endParaRPr lang="en-US"/>
           </a:p>
@@ -1403,7 +1402,7 @@
           <a:p>
             <a:fld id="{92D506C5-104A-4644-8D89-8508D6D7EF05}" type="datetimeFigureOut">
               <a:rPr lang="en-US" smtClean="0"/>
-              <a:t>11/21/2024</a:t>
+              <a:t>11/27/2024</a:t>
             </a:fld>
             <a:endParaRPr lang="en-US"/>
           </a:p>
@@ -1744,7 +1743,7 @@
           <a:p>
             <a:fld id="{92D506C5-104A-4644-8D89-8508D6D7EF05}" type="datetimeFigureOut">
               <a:rPr lang="en-US" smtClean="0"/>
-              <a:t>11/21/2024</a:t>
+              <a:t>11/27/2024</a:t>
             </a:fld>
             <a:endParaRPr lang="en-US"/>
           </a:p>
@@ -2058,7 +2057,7 @@
           <a:p>
             <a:fld id="{92D506C5-104A-4644-8D89-8508D6D7EF05}" type="datetimeFigureOut">
               <a:rPr lang="en-US" smtClean="0"/>
-              <a:t>11/21/2024</a:t>
+              <a:t>11/27/2024</a:t>
             </a:fld>
             <a:endParaRPr lang="en-US"/>
           </a:p>
@@ -2451,7 +2450,7 @@
           <a:p>
             <a:fld id="{92D506C5-104A-4644-8D89-8508D6D7EF05}" type="datetimeFigureOut">
               <a:rPr lang="en-US" smtClean="0"/>
-              <a:t>11/21/2024</a:t>
+              <a:t>11/27/2024</a:t>
             </a:fld>
             <a:endParaRPr lang="en-US"/>
           </a:p>
@@ -2621,7 +2620,7 @@
           <a:p>
             <a:fld id="{92D506C5-104A-4644-8D89-8508D6D7EF05}" type="datetimeFigureOut">
               <a:rPr lang="en-US" smtClean="0"/>
-              <a:t>11/21/2024</a:t>
+              <a:t>11/27/2024</a:t>
             </a:fld>
             <a:endParaRPr lang="en-US"/>
           </a:p>
@@ -2801,7 +2800,7 @@
           <a:p>
             <a:fld id="{92D506C5-104A-4644-8D89-8508D6D7EF05}" type="datetimeFigureOut">
               <a:rPr lang="en-US" smtClean="0"/>
-              <a:t>11/21/2024</a:t>
+              <a:t>11/27/2024</a:t>
             </a:fld>
             <a:endParaRPr lang="en-US"/>
           </a:p>
@@ -2977,7 +2976,7 @@
           <a:p>
             <a:fld id="{92D506C5-104A-4644-8D89-8508D6D7EF05}" type="datetimeFigureOut">
               <a:rPr lang="en-US" smtClean="0"/>
-              <a:t>11/21/2024</a:t>
+              <a:t>11/27/2024</a:t>
             </a:fld>
             <a:endParaRPr lang="en-US"/>
           </a:p>
@@ -3224,7 +3223,7 @@
           <a:p>
             <a:fld id="{92D506C5-104A-4644-8D89-8508D6D7EF05}" type="datetimeFigureOut">
               <a:rPr lang="en-US" smtClean="0"/>
-              <a:t>11/21/2024</a:t>
+              <a:t>11/27/2024</a:t>
             </a:fld>
             <a:endParaRPr lang="en-US"/>
           </a:p>
@@ -3456,7 +3455,7 @@
           <a:p>
             <a:fld id="{92D506C5-104A-4644-8D89-8508D6D7EF05}" type="datetimeFigureOut">
               <a:rPr lang="en-US" smtClean="0"/>
-              <a:t>11/21/2024</a:t>
+              <a:t>11/27/2024</a:t>
             </a:fld>
             <a:endParaRPr lang="en-US"/>
           </a:p>
@@ -3830,7 +3829,7 @@
           <a:p>
             <a:fld id="{92D506C5-104A-4644-8D89-8508D6D7EF05}" type="datetimeFigureOut">
               <a:rPr lang="en-US" smtClean="0"/>
-              <a:t>11/21/2024</a:t>
+              <a:t>11/27/2024</a:t>
             </a:fld>
             <a:endParaRPr lang="en-US"/>
           </a:p>
@@ -3953,7 +3952,7 @@
           <a:p>
             <a:fld id="{92D506C5-104A-4644-8D89-8508D6D7EF05}" type="datetimeFigureOut">
               <a:rPr lang="en-US" smtClean="0"/>
-              <a:t>11/21/2024</a:t>
+              <a:t>11/27/2024</a:t>
             </a:fld>
             <a:endParaRPr lang="en-US"/>
           </a:p>
@@ -4048,7 +4047,7 @@
           <a:p>
             <a:fld id="{92D506C5-104A-4644-8D89-8508D6D7EF05}" type="datetimeFigureOut">
               <a:rPr lang="en-US" smtClean="0"/>
-              <a:t>11/21/2024</a:t>
+              <a:t>11/27/2024</a:t>
             </a:fld>
             <a:endParaRPr lang="en-US"/>
           </a:p>
@@ -4303,7 +4302,7 @@
           <a:p>
             <a:fld id="{92D506C5-104A-4644-8D89-8508D6D7EF05}" type="datetimeFigureOut">
               <a:rPr lang="en-US" smtClean="0"/>
-              <a:t>11/21/2024</a:t>
+              <a:t>11/27/2024</a:t>
             </a:fld>
             <a:endParaRPr lang="en-US"/>
           </a:p>
@@ -4566,7 +4565,7 @@
           <a:p>
             <a:fld id="{92D506C5-104A-4644-8D89-8508D6D7EF05}" type="datetimeFigureOut">
               <a:rPr lang="en-US" smtClean="0"/>
-              <a:t>11/21/2024</a:t>
+              <a:t>11/27/2024</a:t>
             </a:fld>
             <a:endParaRPr lang="en-US"/>
           </a:p>
@@ -5309,7 +5308,7 @@
           <a:p>
             <a:fld id="{92D506C5-104A-4644-8D89-8508D6D7EF05}" type="datetimeFigureOut">
               <a:rPr lang="en-US" smtClean="0"/>
-              <a:t>11/21/2024</a:t>
+              <a:t>11/27/2024</a:t>
             </a:fld>
             <a:endParaRPr lang="en-US"/>
           </a:p>
@@ -5835,10 +5834,10 @@
       </p:grpSpPr>
       <p:pic>
         <p:nvPicPr>
-          <p:cNvPr id="4" name="Picture 3">
+          <p:cNvPr id="2" name="Picture 1">
             <a:extLst>
               <a:ext uri="{FF2B5EF4-FFF2-40B4-BE49-F238E27FC236}">
-                <a16:creationId xmlns:a16="http://schemas.microsoft.com/office/drawing/2014/main" id="{9796C7EA-8864-4057-8FA8-BF5DE402A3EC}"/>
+                <a16:creationId xmlns:a16="http://schemas.microsoft.com/office/drawing/2014/main" id="{9C6CE006-1FC0-4907-AEC2-8843C9FC64A9}"/>
               </a:ext>
             </a:extLst>
           </p:cNvPr>
@@ -5848,21 +5847,15 @@
           <p:nvPr/>
         </p:nvPicPr>
         <p:blipFill>
-          <a:blip r:embed="rId2">
-            <a:extLst>
-              <a:ext uri="{28A0092B-C50C-407E-A947-70E740481C1C}">
-                <a14:useLocalDpi xmlns:a14="http://schemas.microsoft.com/office/drawing/2010/main" val="0"/>
-              </a:ext>
-            </a:extLst>
-          </a:blip>
+          <a:blip r:embed="rId2"/>
           <a:stretch>
             <a:fillRect/>
           </a:stretch>
         </p:blipFill>
         <p:spPr>
           <a:xfrm>
-            <a:off x="3511429" y="1256805"/>
-            <a:ext cx="4344390" cy="4344390"/>
+            <a:off x="2048435" y="0"/>
+            <a:ext cx="6858000" cy="6858000"/>
           </a:xfrm>
           <a:prstGeom prst="rect">
             <a:avLst/>
@@ -5872,7 +5865,7 @@
     </p:spTree>
     <p:extLst>
       <p:ext uri="{BB962C8B-B14F-4D97-AF65-F5344CB8AC3E}">
-        <p14:creationId xmlns:p14="http://schemas.microsoft.com/office/powerpoint/2010/main" val="3962895609"/>
+        <p14:creationId xmlns:p14="http://schemas.microsoft.com/office/powerpoint/2010/main" val="3515224211"/>
       </p:ext>
     </p:extLst>
   </p:cSld>
@@ -5902,7 +5895,7 @@
     </p:spTree>
     <p:extLst>
       <p:ext uri="{BB962C8B-B14F-4D97-AF65-F5344CB8AC3E}">
-        <p14:creationId xmlns:p14="http://schemas.microsoft.com/office/powerpoint/2010/main" val="3515224211"/>
+        <p14:creationId xmlns:p14="http://schemas.microsoft.com/office/powerpoint/2010/main" val="76506033"/>
       </p:ext>
     </p:extLst>
   </p:cSld>
@@ -5932,7 +5925,7 @@
     </p:spTree>
     <p:extLst>
       <p:ext uri="{BB962C8B-B14F-4D97-AF65-F5344CB8AC3E}">
-        <p14:creationId xmlns:p14="http://schemas.microsoft.com/office/powerpoint/2010/main" val="76506033"/>
+        <p14:creationId xmlns:p14="http://schemas.microsoft.com/office/powerpoint/2010/main" val="724058002"/>
       </p:ext>
     </p:extLst>
   </p:cSld>
@@ -5943,36 +5936,6 @@
 </file>
 
 <file path=ppt/slides/slide4.xml><?xml version="1.0" encoding="utf-8"?>
-<p:sld xmlns:a="http://schemas.openxmlformats.org/drawingml/2006/main" xmlns:r="http://schemas.openxmlformats.org/officeDocument/2006/relationships" xmlns:p="http://schemas.openxmlformats.org/presentationml/2006/main">
-  <p:cSld>
-    <p:spTree>
-      <p:nvGrpSpPr>
-        <p:cNvPr id="1" name=""/>
-        <p:cNvGrpSpPr/>
-        <p:nvPr/>
-      </p:nvGrpSpPr>
-      <p:grpSpPr>
-        <a:xfrm>
-          <a:off x="0" y="0"/>
-          <a:ext cx="0" cy="0"/>
-          <a:chOff x="0" y="0"/>
-          <a:chExt cx="0" cy="0"/>
-        </a:xfrm>
-      </p:grpSpPr>
-    </p:spTree>
-    <p:extLst>
-      <p:ext uri="{BB962C8B-B14F-4D97-AF65-F5344CB8AC3E}">
-        <p14:creationId xmlns:p14="http://schemas.microsoft.com/office/powerpoint/2010/main" val="724058002"/>
-      </p:ext>
-    </p:extLst>
-  </p:cSld>
-  <p:clrMapOvr>
-    <a:masterClrMapping/>
-  </p:clrMapOvr>
-</p:sld>
-</file>
-
-<file path=ppt/slides/slide5.xml><?xml version="1.0" encoding="utf-8"?>
 <p:sld xmlns:a="http://schemas.openxmlformats.org/drawingml/2006/main" xmlns:r="http://schemas.openxmlformats.org/officeDocument/2006/relationships" xmlns:p="http://schemas.openxmlformats.org/presentationml/2006/main">
   <p:cSld>
     <p:spTree>
